--- a/Documents/SP4_presentation.pptx
+++ b/Documents/SP4_presentation.pptx
@@ -11,8 +11,9 @@
     <p:sldId id="260" r:id="rId5"/>
     <p:sldId id="261" r:id="rId6"/>
     <p:sldId id="262" r:id="rId7"/>
-    <p:sldId id="263" r:id="rId8"/>
-    <p:sldId id="264" r:id="rId9"/>
+    <p:sldId id="265" r:id="rId8"/>
+    <p:sldId id="263" r:id="rId9"/>
+    <p:sldId id="264" r:id="rId10"/>
   </p:sldIdLst>
   <p:sldSz cx="9144000" cy="6858000" type="screen4x3"/>
   <p:notesSz cx="6858000" cy="9144000"/>
@@ -3500,8 +3501,10 @@
                 </a:solidFill>
                 <a:latin typeface="Emulogic" pitchFamily="2" charset="0"/>
               </a:rPr>
-              <a:t>Brandon goh nian zhou 				</a:t>
-            </a:r>
+              <a:t>Brandon goh nian zhou 				–121309D</a:t>
+            </a:r>
+          </a:p>
+          <a:p>
             <a:r>
               <a:rPr lang="en-US" sz="1400" dirty="0" smtClean="0">
                 <a:solidFill>
@@ -3509,14 +3512,8 @@
                 </a:solidFill>
                 <a:latin typeface="Emulogic" pitchFamily="2" charset="0"/>
               </a:rPr>
-              <a:t>–121309D</a:t>
-            </a:r>
-            <a:endParaRPr lang="en-US" sz="1400" dirty="0" smtClean="0">
-              <a:solidFill>
-                <a:srgbClr val="FF7C80"/>
-              </a:solidFill>
-              <a:latin typeface="Emulogic" pitchFamily="2" charset="0"/>
-            </a:endParaRPr>
+              <a:t>Kho liang hao 						–121320s</a:t>
+            </a:r>
           </a:p>
           <a:p>
             <a:r>
@@ -3526,8 +3523,10 @@
                 </a:solidFill>
                 <a:latin typeface="Emulogic" pitchFamily="2" charset="0"/>
               </a:rPr>
-              <a:t>Kho liang hao 						</a:t>
-            </a:r>
+              <a:t>Ron ng jian yian 					-120160y</a:t>
+            </a:r>
+          </a:p>
+          <a:p>
             <a:r>
               <a:rPr lang="en-US" sz="1400" dirty="0" smtClean="0">
                 <a:solidFill>
@@ -3535,66 +3534,8 @@
                 </a:solidFill>
                 <a:latin typeface="Emulogic" pitchFamily="2" charset="0"/>
               </a:rPr>
-              <a:t>–121320s</a:t>
-            </a:r>
-            <a:endParaRPr lang="en-US" sz="1400" dirty="0" smtClean="0">
-              <a:solidFill>
-                <a:srgbClr val="FF7C80"/>
-              </a:solidFill>
-              <a:latin typeface="Emulogic" pitchFamily="2" charset="0"/>
-            </a:endParaRPr>
-          </a:p>
-          <a:p>
-            <a:r>
-              <a:rPr lang="en-US" sz="1400" dirty="0" smtClean="0">
-                <a:solidFill>
-                  <a:srgbClr val="FF7C80"/>
-                </a:solidFill>
-                <a:latin typeface="Emulogic" pitchFamily="2" charset="0"/>
-              </a:rPr>
-              <a:t>Ron ng jian yian 					</a:t>
-            </a:r>
-            <a:r>
-              <a:rPr lang="en-US" sz="1400" dirty="0" smtClean="0">
-                <a:solidFill>
-                  <a:srgbClr val="FF7C80"/>
-                </a:solidFill>
-                <a:latin typeface="Emulogic" pitchFamily="2" charset="0"/>
-              </a:rPr>
-              <a:t>-120160y</a:t>
-            </a:r>
-            <a:endParaRPr lang="en-US" sz="1400" dirty="0" smtClean="0">
-              <a:solidFill>
-                <a:srgbClr val="FF7C80"/>
-              </a:solidFill>
-              <a:latin typeface="Emulogic" pitchFamily="2" charset="0"/>
-            </a:endParaRPr>
-          </a:p>
-          <a:p>
-            <a:r>
-              <a:rPr lang="en-US" sz="1400" dirty="0" smtClean="0">
-                <a:solidFill>
-                  <a:srgbClr val="FF7C80"/>
-                </a:solidFill>
-                <a:latin typeface="Emulogic" pitchFamily="2" charset="0"/>
-              </a:rPr>
-              <a:t>Sim yuan he						</a:t>
-            </a:r>
-            <a:r>
-              <a:rPr lang="en-US" sz="1400" dirty="0" smtClean="0">
-                <a:solidFill>
-                  <a:srgbClr val="FF7C80"/>
-                </a:solidFill>
-                <a:latin typeface="Emulogic" pitchFamily="2" charset="0"/>
-              </a:rPr>
-              <a:t>-122816d</a:t>
-            </a:r>
-            <a:endParaRPr lang="en-US" sz="1400" dirty="0" smtClean="0">
-              <a:solidFill>
-                <a:srgbClr val="FF7C80"/>
-              </a:solidFill>
-              <a:latin typeface="Emulogic" pitchFamily="2" charset="0"/>
-            </a:endParaRPr>
+              <a:t>Sim yuan he						-122816d</a:t>
+            </a:r>
           </a:p>
         </p:txBody>
       </p:sp>
@@ -3953,8 +3894,8 @@
         </p:blipFill>
         <p:spPr bwMode="auto">
           <a:xfrm>
-            <a:off x="3657600" y="2667000"/>
-            <a:ext cx="4057492" cy="3835598"/>
+            <a:off x="4572000" y="2895599"/>
+            <a:ext cx="3844050" cy="3633829"/>
           </a:xfrm>
           <a:prstGeom prst="rect">
             <a:avLst/>
@@ -4499,6 +4440,247 @@
           <a:p>
             <a:r>
               <a:rPr lang="en-US" dirty="0" smtClean="0"/>
+              <a:t>Collision</a:t>
+            </a:r>
+            <a:endParaRPr lang="en-US" dirty="0"/>
+          </a:p>
+        </p:txBody>
+      </p:sp>
+      <p:sp>
+        <p:nvSpPr>
+          <p:cNvPr id="3" name="Content Placeholder 2"/>
+          <p:cNvSpPr>
+            <a:spLocks noGrp="1"/>
+          </p:cNvSpPr>
+          <p:nvPr>
+            <p:ph idx="1"/>
+          </p:nvPr>
+        </p:nvSpPr>
+        <p:spPr/>
+        <p:txBody>
+          <a:bodyPr/>
+          <a:lstStyle/>
+          <a:p>
+            <a:pPr marL="342900" indent="-342900">
+              <a:buFont typeface="Arial" panose="020B0604020202020204" pitchFamily="34" charset="0"/>
+              <a:buChar char="•"/>
+            </a:pPr>
+            <a:r>
+              <a:rPr lang="en-US" dirty="0" smtClean="0"/>
+              <a:t>Collision Manager of Game Objects.</a:t>
+            </a:r>
+          </a:p>
+          <a:p>
+            <a:pPr marL="342900" indent="-342900">
+              <a:buFont typeface="Arial" panose="020B0604020202020204" pitchFamily="34" charset="0"/>
+              <a:buChar char="•"/>
+            </a:pPr>
+            <a:r>
+              <a:rPr lang="en-US" dirty="0" smtClean="0"/>
+              <a:t>Broad phase, narrow phase.</a:t>
+            </a:r>
+            <a:endParaRPr lang="en-US" dirty="0"/>
+          </a:p>
+          <a:p>
+            <a:endParaRPr lang="en-US" dirty="0"/>
+          </a:p>
+        </p:txBody>
+      </p:sp>
+      <p:pic>
+        <p:nvPicPr>
+          <p:cNvPr id="1026" name="Picture 2"/>
+          <p:cNvPicPr>
+            <a:picLocks noChangeAspect="1" noChangeArrowheads="1"/>
+          </p:cNvPicPr>
+          <p:nvPr/>
+        </p:nvPicPr>
+        <p:blipFill>
+          <a:blip r:embed="rId2">
+            <a:extLst>
+              <a:ext uri="{28A0092B-C50C-407E-A947-70E740481C1C}">
+                <a14:useLocalDpi xmlns:a14="http://schemas.microsoft.com/office/drawing/2010/main" val="0"/>
+              </a:ext>
+            </a:extLst>
+          </a:blip>
+          <a:srcRect/>
+          <a:stretch>
+            <a:fillRect/>
+          </a:stretch>
+        </p:blipFill>
+        <p:spPr bwMode="auto">
+          <a:xfrm>
+            <a:off x="304801" y="3188778"/>
+            <a:ext cx="3621110" cy="3203807"/>
+          </a:xfrm>
+          <a:prstGeom prst="rect">
+            <a:avLst/>
+          </a:prstGeom>
+          <a:noFill/>
+          <a:ln>
+            <a:noFill/>
+          </a:ln>
+          <a:extLst>
+            <a:ext uri="{909E8E84-426E-40DD-AFC4-6F175D3DCCD1}">
+              <a14:hiddenFill xmlns:a14="http://schemas.microsoft.com/office/drawing/2010/main">
+                <a:solidFill>
+                  <a:schemeClr val="accent1"/>
+                </a:solidFill>
+              </a14:hiddenFill>
+            </a:ext>
+            <a:ext uri="{91240B29-F687-4F45-9708-019B960494DF}">
+              <a14:hiddenLine xmlns:a14="http://schemas.microsoft.com/office/drawing/2010/main" w="9525">
+                <a:solidFill>
+                  <a:schemeClr val="tx1"/>
+                </a:solidFill>
+                <a:miter lim="800000"/>
+                <a:headEnd/>
+                <a:tailEnd/>
+              </a14:hiddenLine>
+            </a:ext>
+          </a:extLst>
+        </p:spPr>
+      </p:pic>
+      <p:pic>
+        <p:nvPicPr>
+          <p:cNvPr id="1027" name="Picture 3"/>
+          <p:cNvPicPr>
+            <a:picLocks noChangeAspect="1" noChangeArrowheads="1"/>
+          </p:cNvPicPr>
+          <p:nvPr/>
+        </p:nvPicPr>
+        <p:blipFill>
+          <a:blip r:embed="rId3">
+            <a:extLst>
+              <a:ext uri="{28A0092B-C50C-407E-A947-70E740481C1C}">
+                <a14:useLocalDpi xmlns:a14="http://schemas.microsoft.com/office/drawing/2010/main" val="0"/>
+              </a:ext>
+            </a:extLst>
+          </a:blip>
+          <a:srcRect/>
+          <a:stretch>
+            <a:fillRect/>
+          </a:stretch>
+        </p:blipFill>
+        <p:spPr bwMode="auto">
+          <a:xfrm>
+            <a:off x="5334000" y="3212389"/>
+            <a:ext cx="3423387" cy="3180196"/>
+          </a:xfrm>
+          <a:prstGeom prst="rect">
+            <a:avLst/>
+          </a:prstGeom>
+          <a:noFill/>
+          <a:ln>
+            <a:noFill/>
+          </a:ln>
+          <a:extLst>
+            <a:ext uri="{909E8E84-426E-40DD-AFC4-6F175D3DCCD1}">
+              <a14:hiddenFill xmlns:a14="http://schemas.microsoft.com/office/drawing/2010/main">
+                <a:solidFill>
+                  <a:schemeClr val="accent1"/>
+                </a:solidFill>
+              </a14:hiddenFill>
+            </a:ext>
+            <a:ext uri="{91240B29-F687-4F45-9708-019B960494DF}">
+              <a14:hiddenLine xmlns:a14="http://schemas.microsoft.com/office/drawing/2010/main" w="9525">
+                <a:solidFill>
+                  <a:schemeClr val="tx1"/>
+                </a:solidFill>
+                <a:miter lim="800000"/>
+                <a:headEnd/>
+                <a:tailEnd/>
+              </a14:hiddenLine>
+            </a:ext>
+          </a:extLst>
+        </p:spPr>
+      </p:pic>
+      <p:sp>
+        <p:nvSpPr>
+          <p:cNvPr id="4" name="Right Arrow 3"/>
+          <p:cNvSpPr/>
+          <p:nvPr/>
+        </p:nvSpPr>
+        <p:spPr>
+          <a:xfrm>
+            <a:off x="3925911" y="4267200"/>
+            <a:ext cx="1408089" cy="1066800"/>
+          </a:xfrm>
+          <a:prstGeom prst="rightArrow">
+            <a:avLst/>
+          </a:prstGeom>
+        </p:spPr>
+        <p:style>
+          <a:lnRef idx="2">
+            <a:schemeClr val="accent1">
+              <a:shade val="50000"/>
+            </a:schemeClr>
+          </a:lnRef>
+          <a:fillRef idx="1">
+            <a:schemeClr val="accent1"/>
+          </a:fillRef>
+          <a:effectRef idx="0">
+            <a:schemeClr val="accent1"/>
+          </a:effectRef>
+          <a:fontRef idx="minor">
+            <a:schemeClr val="lt1"/>
+          </a:fontRef>
+        </p:style>
+        <p:txBody>
+          <a:bodyPr rtlCol="0" anchor="ctr"/>
+          <a:lstStyle/>
+          <a:p>
+            <a:pPr algn="ctr"/>
+            <a:endParaRPr lang="en-US"/>
+          </a:p>
+        </p:txBody>
+      </p:sp>
+    </p:spTree>
+    <p:extLst>
+      <p:ext uri="{BB962C8B-B14F-4D97-AF65-F5344CB8AC3E}">
+        <p14:creationId xmlns:p14="http://schemas.microsoft.com/office/powerpoint/2010/main" val="3647849813"/>
+      </p:ext>
+    </p:extLst>
+  </p:cSld>
+  <p:clrMapOvr>
+    <a:masterClrMapping/>
+  </p:clrMapOvr>
+</p:sld>
+</file>
+
+<file path=ppt/slides/slide8.xml><?xml version="1.0" encoding="utf-8"?>
+<p:sld xmlns:a="http://schemas.openxmlformats.org/drawingml/2006/main" xmlns:r="http://schemas.openxmlformats.org/officeDocument/2006/relationships" xmlns:p="http://schemas.openxmlformats.org/presentationml/2006/main">
+  <p:cSld>
+    <p:spTree>
+      <p:nvGrpSpPr>
+        <p:cNvPr id="1" name=""/>
+        <p:cNvGrpSpPr/>
+        <p:nvPr/>
+      </p:nvGrpSpPr>
+      <p:grpSpPr>
+        <a:xfrm>
+          <a:off x="0" y="0"/>
+          <a:ext cx="0" cy="0"/>
+          <a:chOff x="0" y="0"/>
+          <a:chExt cx="0" cy="0"/>
+        </a:xfrm>
+      </p:grpSpPr>
+      <p:sp>
+        <p:nvSpPr>
+          <p:cNvPr id="2" name="Title 1"/>
+          <p:cNvSpPr>
+            <a:spLocks noGrp="1"/>
+          </p:cNvSpPr>
+          <p:nvPr>
+            <p:ph type="title"/>
+          </p:nvPr>
+        </p:nvSpPr>
+        <p:spPr/>
+        <p:txBody>
+          <a:bodyPr/>
+          <a:lstStyle/>
+          <a:p>
+            <a:r>
+              <a:rPr lang="en-US" dirty="0" smtClean="0"/>
               <a:t>UI</a:t>
             </a:r>
             <a:endParaRPr lang="en-US" dirty="0"/>
@@ -4619,7 +4801,7 @@
 </p:sld>
 </file>
 
-<file path=ppt/slides/slide8.xml><?xml version="1.0" encoding="utf-8"?>
+<file path=ppt/slides/slide9.xml><?xml version="1.0" encoding="utf-8"?>
 <p:sld xmlns:a="http://schemas.openxmlformats.org/drawingml/2006/main" xmlns:r="http://schemas.openxmlformats.org/officeDocument/2006/relationships" xmlns:p="http://schemas.openxmlformats.org/presentationml/2006/main">
   <p:cSld>
     <p:spTree>
